--- a/poster.pptx
+++ b/poster.pptx
@@ -104,6 +104,11 @@
       </a:defRPr>
     </a:lvl9pPr>
   </p:defaultTextStyle>
+  <p:extLst>
+    <p:ext uri="{EFAFB233-063F-42B5-8137-9DF3F51BA10A}">
+      <p15:sldGuideLst xmlns:p15="http://schemas.microsoft.com/office/powerpoint/2012/main"/>
+    </p:ext>
+  </p:extLst>
 </p:presentation>
 </file>
 
@@ -238,7 +243,7 @@
           <a:p>
             <a:fld id="{E135192A-581C-4C76-8CC9-38D65FF40E7F}" type="datetimeFigureOut">
               <a:rPr lang="en-US" smtClean="0"/>
-              <a:t>7/3/2023</a:t>
+              <a:t>7/5/2023</a:t>
             </a:fld>
             <a:endParaRPr lang="en-US"/>
           </a:p>
@@ -408,7 +413,7 @@
           <a:p>
             <a:fld id="{E135192A-581C-4C76-8CC9-38D65FF40E7F}" type="datetimeFigureOut">
               <a:rPr lang="en-US" smtClean="0"/>
-              <a:t>7/3/2023</a:t>
+              <a:t>7/5/2023</a:t>
             </a:fld>
             <a:endParaRPr lang="en-US"/>
           </a:p>
@@ -588,7 +593,7 @@
           <a:p>
             <a:fld id="{E135192A-581C-4C76-8CC9-38D65FF40E7F}" type="datetimeFigureOut">
               <a:rPr lang="en-US" smtClean="0"/>
-              <a:t>7/3/2023</a:t>
+              <a:t>7/5/2023</a:t>
             </a:fld>
             <a:endParaRPr lang="en-US"/>
           </a:p>
@@ -758,7 +763,7 @@
           <a:p>
             <a:fld id="{E135192A-581C-4C76-8CC9-38D65FF40E7F}" type="datetimeFigureOut">
               <a:rPr lang="en-US" smtClean="0"/>
-              <a:t>7/3/2023</a:t>
+              <a:t>7/5/2023</a:t>
             </a:fld>
             <a:endParaRPr lang="en-US"/>
           </a:p>
@@ -1002,7 +1007,7 @@
           <a:p>
             <a:fld id="{E135192A-581C-4C76-8CC9-38D65FF40E7F}" type="datetimeFigureOut">
               <a:rPr lang="en-US" smtClean="0"/>
-              <a:t>7/3/2023</a:t>
+              <a:t>7/5/2023</a:t>
             </a:fld>
             <a:endParaRPr lang="en-US"/>
           </a:p>
@@ -1234,7 +1239,7 @@
           <a:p>
             <a:fld id="{E135192A-581C-4C76-8CC9-38D65FF40E7F}" type="datetimeFigureOut">
               <a:rPr lang="en-US" smtClean="0"/>
-              <a:t>7/3/2023</a:t>
+              <a:t>7/5/2023</a:t>
             </a:fld>
             <a:endParaRPr lang="en-US"/>
           </a:p>
@@ -1601,7 +1606,7 @@
           <a:p>
             <a:fld id="{E135192A-581C-4C76-8CC9-38D65FF40E7F}" type="datetimeFigureOut">
               <a:rPr lang="en-US" smtClean="0"/>
-              <a:t>7/3/2023</a:t>
+              <a:t>7/5/2023</a:t>
             </a:fld>
             <a:endParaRPr lang="en-US"/>
           </a:p>
@@ -1719,7 +1724,7 @@
           <a:p>
             <a:fld id="{E135192A-581C-4C76-8CC9-38D65FF40E7F}" type="datetimeFigureOut">
               <a:rPr lang="en-US" smtClean="0"/>
-              <a:t>7/3/2023</a:t>
+              <a:t>7/5/2023</a:t>
             </a:fld>
             <a:endParaRPr lang="en-US"/>
           </a:p>
@@ -1814,7 +1819,7 @@
           <a:p>
             <a:fld id="{E135192A-581C-4C76-8CC9-38D65FF40E7F}" type="datetimeFigureOut">
               <a:rPr lang="en-US" smtClean="0"/>
-              <a:t>7/3/2023</a:t>
+              <a:t>7/5/2023</a:t>
             </a:fld>
             <a:endParaRPr lang="en-US"/>
           </a:p>
@@ -2091,7 +2096,7 @@
           <a:p>
             <a:fld id="{E135192A-581C-4C76-8CC9-38D65FF40E7F}" type="datetimeFigureOut">
               <a:rPr lang="en-US" smtClean="0"/>
-              <a:t>7/3/2023</a:t>
+              <a:t>7/5/2023</a:t>
             </a:fld>
             <a:endParaRPr lang="en-US"/>
           </a:p>
@@ -2348,7 +2353,7 @@
           <a:p>
             <a:fld id="{E135192A-581C-4C76-8CC9-38D65FF40E7F}" type="datetimeFigureOut">
               <a:rPr lang="en-US" smtClean="0"/>
-              <a:t>7/3/2023</a:t>
+              <a:t>7/5/2023</a:t>
             </a:fld>
             <a:endParaRPr lang="en-US"/>
           </a:p>
@@ -2561,7 +2566,7 @@
           <a:p>
             <a:fld id="{E135192A-581C-4C76-8CC9-38D65FF40E7F}" type="datetimeFigureOut">
               <a:rPr lang="en-US" smtClean="0"/>
-              <a:t>7/3/2023</a:t>
+              <a:t>7/5/2023</a:t>
             </a:fld>
             <a:endParaRPr lang="en-US"/>
           </a:p>
@@ -2966,6 +2971,260 @@
           <a:chExt cx="0" cy="0"/>
         </a:xfrm>
       </p:grpSpPr>
+      <p:graphicFrame>
+        <p:nvGraphicFramePr>
+          <p:cNvPr id="2" name="Table 2">
+            <a:extLst>
+              <a:ext uri="{FF2B5EF4-FFF2-40B4-BE49-F238E27FC236}">
+                <a16:creationId xmlns:a16="http://schemas.microsoft.com/office/drawing/2014/main" id="{18E5AE06-EFDC-2BA9-8685-96439A76EE1B}"/>
+              </a:ext>
+            </a:extLst>
+          </p:cNvPr>
+          <p:cNvGraphicFramePr>
+            <a:graphicFrameLocks noGrp="1"/>
+          </p:cNvGraphicFramePr>
+          <p:nvPr>
+            <p:extLst>
+              <p:ext uri="{D42A27DB-BD31-4B8C-83A1-F6EECF244321}">
+                <p14:modId xmlns:p14="http://schemas.microsoft.com/office/powerpoint/2010/main" val="3369267327"/>
+              </p:ext>
+            </p:extLst>
+          </p:nvPr>
+        </p:nvGraphicFramePr>
+        <p:xfrm>
+          <a:off x="6400800" y="5867400"/>
+          <a:ext cx="25603200" cy="8705088"/>
+        </p:xfrm>
+        <a:graphic>
+          <a:graphicData uri="http://schemas.openxmlformats.org/drawingml/2006/table">
+            <a:tbl>
+              <a:tblPr firstRow="1" bandRow="1">
+                <a:tableStyleId>{5C22544A-7EE6-4342-B048-85BDC9FD1C3A}</a:tableStyleId>
+              </a:tblPr>
+              <a:tblGrid>
+                <a:gridCol w="12801600">
+                  <a:extLst>
+                    <a:ext uri="{9D8B030D-6E8A-4147-A177-3AD203B41FA5}">
+                      <a16:colId xmlns:a16="http://schemas.microsoft.com/office/drawing/2014/main" val="3054994571"/>
+                    </a:ext>
+                  </a:extLst>
+                </a:gridCol>
+                <a:gridCol w="12801600">
+                  <a:extLst>
+                    <a:ext uri="{9D8B030D-6E8A-4147-A177-3AD203B41FA5}">
+                      <a16:colId xmlns:a16="http://schemas.microsoft.com/office/drawing/2014/main" val="3893650233"/>
+                    </a:ext>
+                  </a:extLst>
+                </a:gridCol>
+              </a:tblGrid>
+              <a:tr h="370840">
+                <a:tc>
+                  <a:txBody>
+                    <a:bodyPr/>
+                    <a:lstStyle/>
+                    <a:p>
+                      <a:r>
+                        <a:rPr lang="en-US" dirty="0" err="1"/>
+                        <a:t>Bzip</a:t>
+                      </a:r>
+                      <a:r>
+                        <a:rPr lang="en-US" dirty="0"/>
+                        <a:t> then Fernet</a:t>
+                      </a:r>
+                    </a:p>
+                  </a:txBody>
+                  <a:tcPr/>
+                </a:tc>
+                <a:tc>
+                  <a:txBody>
+                    <a:bodyPr/>
+                    <a:lstStyle/>
+                    <a:p>
+                      <a:r>
+                        <a:rPr lang="en-US" dirty="0"/>
+                        <a:t>Fernet then </a:t>
+                      </a:r>
+                      <a:r>
+                        <a:rPr lang="en-US" dirty="0" err="1"/>
+                        <a:t>Bzip</a:t>
+                      </a:r>
+                      <a:endParaRPr lang="en-US" dirty="0"/>
+                    </a:p>
+                  </a:txBody>
+                  <a:tcPr/>
+                </a:tc>
+                <a:extLst>
+                  <a:ext uri="{0D108BD9-81ED-4DB2-BD59-A6C34878D82A}">
+                    <a16:rowId xmlns:a16="http://schemas.microsoft.com/office/drawing/2014/main" val="1963978770"/>
+                  </a:ext>
+                </a:extLst>
+              </a:tr>
+              <a:tr h="370840">
+                <a:tc>
+                  <a:txBody>
+                    <a:bodyPr/>
+                    <a:lstStyle/>
+                    <a:p>
+                      <a:endParaRPr lang="en-US"/>
+                    </a:p>
+                  </a:txBody>
+                  <a:tcPr/>
+                </a:tc>
+                <a:tc>
+                  <a:txBody>
+                    <a:bodyPr/>
+                    <a:lstStyle/>
+                    <a:p>
+                      <a:endParaRPr lang="en-US"/>
+                    </a:p>
+                  </a:txBody>
+                  <a:tcPr/>
+                </a:tc>
+                <a:extLst>
+                  <a:ext uri="{0D108BD9-81ED-4DB2-BD59-A6C34878D82A}">
+                    <a16:rowId xmlns:a16="http://schemas.microsoft.com/office/drawing/2014/main" val="2742208954"/>
+                  </a:ext>
+                </a:extLst>
+              </a:tr>
+              <a:tr h="370840">
+                <a:tc>
+                  <a:txBody>
+                    <a:bodyPr/>
+                    <a:lstStyle/>
+                    <a:p>
+                      <a:endParaRPr lang="en-US"/>
+                    </a:p>
+                  </a:txBody>
+                  <a:tcPr/>
+                </a:tc>
+                <a:tc>
+                  <a:txBody>
+                    <a:bodyPr/>
+                    <a:lstStyle/>
+                    <a:p>
+                      <a:endParaRPr lang="en-US"/>
+                    </a:p>
+                  </a:txBody>
+                  <a:tcPr/>
+                </a:tc>
+                <a:extLst>
+                  <a:ext uri="{0D108BD9-81ED-4DB2-BD59-A6C34878D82A}">
+                    <a16:rowId xmlns:a16="http://schemas.microsoft.com/office/drawing/2014/main" val="1128141631"/>
+                  </a:ext>
+                </a:extLst>
+              </a:tr>
+              <a:tr h="370840">
+                <a:tc>
+                  <a:txBody>
+                    <a:bodyPr/>
+                    <a:lstStyle/>
+                    <a:p>
+                      <a:endParaRPr lang="en-US"/>
+                    </a:p>
+                  </a:txBody>
+                  <a:tcPr/>
+                </a:tc>
+                <a:tc>
+                  <a:txBody>
+                    <a:bodyPr/>
+                    <a:lstStyle/>
+                    <a:p>
+                      <a:endParaRPr lang="en-US"/>
+                    </a:p>
+                  </a:txBody>
+                  <a:tcPr/>
+                </a:tc>
+                <a:extLst>
+                  <a:ext uri="{0D108BD9-81ED-4DB2-BD59-A6C34878D82A}">
+                    <a16:rowId xmlns:a16="http://schemas.microsoft.com/office/drawing/2014/main" val="2275751654"/>
+                  </a:ext>
+                </a:extLst>
+              </a:tr>
+              <a:tr h="370840">
+                <a:tc>
+                  <a:txBody>
+                    <a:bodyPr/>
+                    <a:lstStyle/>
+                    <a:p>
+                      <a:endParaRPr lang="en-US"/>
+                    </a:p>
+                  </a:txBody>
+                  <a:tcPr/>
+                </a:tc>
+                <a:tc>
+                  <a:txBody>
+                    <a:bodyPr/>
+                    <a:lstStyle/>
+                    <a:p>
+                      <a:endParaRPr lang="en-US"/>
+                    </a:p>
+                  </a:txBody>
+                  <a:tcPr/>
+                </a:tc>
+                <a:extLst>
+                  <a:ext uri="{0D108BD9-81ED-4DB2-BD59-A6C34878D82A}">
+                    <a16:rowId xmlns:a16="http://schemas.microsoft.com/office/drawing/2014/main" val="648804423"/>
+                  </a:ext>
+                </a:extLst>
+              </a:tr>
+              <a:tr h="370840">
+                <a:tc>
+                  <a:txBody>
+                    <a:bodyPr/>
+                    <a:lstStyle/>
+                    <a:p>
+                      <a:endParaRPr lang="en-US"/>
+                    </a:p>
+                  </a:txBody>
+                  <a:tcPr/>
+                </a:tc>
+                <a:tc>
+                  <a:txBody>
+                    <a:bodyPr/>
+                    <a:lstStyle/>
+                    <a:p>
+                      <a:endParaRPr lang="en-US"/>
+                    </a:p>
+                  </a:txBody>
+                  <a:tcPr/>
+                </a:tc>
+                <a:extLst>
+                  <a:ext uri="{0D108BD9-81ED-4DB2-BD59-A6C34878D82A}">
+                    <a16:rowId xmlns:a16="http://schemas.microsoft.com/office/drawing/2014/main" val="2940153430"/>
+                  </a:ext>
+                </a:extLst>
+              </a:tr>
+              <a:tr h="370840">
+                <a:tc>
+                  <a:txBody>
+                    <a:bodyPr/>
+                    <a:lstStyle/>
+                    <a:p>
+                      <a:endParaRPr lang="en-US"/>
+                    </a:p>
+                  </a:txBody>
+                  <a:tcPr/>
+                </a:tc>
+                <a:tc>
+                  <a:txBody>
+                    <a:bodyPr/>
+                    <a:lstStyle/>
+                    <a:p>
+                      <a:endParaRPr lang="en-US" dirty="0"/>
+                    </a:p>
+                  </a:txBody>
+                  <a:tcPr/>
+                </a:tc>
+                <a:extLst>
+                  <a:ext uri="{0D108BD9-81ED-4DB2-BD59-A6C34878D82A}">
+                    <a16:rowId xmlns:a16="http://schemas.microsoft.com/office/drawing/2014/main" val="970787114"/>
+                  </a:ext>
+                </a:extLst>
+              </a:tr>
+            </a:tbl>
+          </a:graphicData>
+        </a:graphic>
+      </p:graphicFrame>
     </p:spTree>
     <p:extLst>
       <p:ext uri="{BB962C8B-B14F-4D97-AF65-F5344CB8AC3E}">

--- a/poster.pptx
+++ b/poster.pptx
@@ -2986,14 +2986,14 @@
           <p:nvPr>
             <p:extLst>
               <p:ext uri="{D42A27DB-BD31-4B8C-83A1-F6EECF244321}">
-                <p14:modId xmlns:p14="http://schemas.microsoft.com/office/powerpoint/2010/main" val="3369267327"/>
+                <p14:modId xmlns:p14="http://schemas.microsoft.com/office/powerpoint/2010/main" val="2805777728"/>
               </p:ext>
             </p:extLst>
           </p:nvPr>
         </p:nvGraphicFramePr>
         <p:xfrm>
-          <a:off x="6400800" y="5867400"/>
-          <a:ext cx="25603200" cy="8705088"/>
+          <a:off x="209550" y="8629651"/>
+          <a:ext cx="11639550" cy="9029699"/>
         </p:xfrm>
         <a:graphic>
           <a:graphicData uri="http://schemas.openxmlformats.org/drawingml/2006/table">
@@ -3002,34 +3002,65 @@
                 <a:tableStyleId>{5C22544A-7EE6-4342-B048-85BDC9FD1C3A}</a:tableStyleId>
               </a:tblPr>
               <a:tblGrid>
-                <a:gridCol w="12801600">
+                <a:gridCol w="2327910">
+                  <a:extLst>
+                    <a:ext uri="{9D8B030D-6E8A-4147-A177-3AD203B41FA5}">
+                      <a16:colId xmlns:a16="http://schemas.microsoft.com/office/drawing/2014/main" val="1443862968"/>
+                    </a:ext>
+                  </a:extLst>
+                </a:gridCol>
+                <a:gridCol w="2327910">
                   <a:extLst>
                     <a:ext uri="{9D8B030D-6E8A-4147-A177-3AD203B41FA5}">
                       <a16:colId xmlns:a16="http://schemas.microsoft.com/office/drawing/2014/main" val="3054994571"/>
                     </a:ext>
                   </a:extLst>
                 </a:gridCol>
-                <a:gridCol w="12801600">
+                <a:gridCol w="2327910">
                   <a:extLst>
                     <a:ext uri="{9D8B030D-6E8A-4147-A177-3AD203B41FA5}">
                       <a16:colId xmlns:a16="http://schemas.microsoft.com/office/drawing/2014/main" val="3893650233"/>
                     </a:ext>
                   </a:extLst>
                 </a:gridCol>
+                <a:gridCol w="2327910">
+                  <a:extLst>
+                    <a:ext uri="{9D8B030D-6E8A-4147-A177-3AD203B41FA5}">
+                      <a16:colId xmlns:a16="http://schemas.microsoft.com/office/drawing/2014/main" val="168759641"/>
+                    </a:ext>
+                  </a:extLst>
+                </a:gridCol>
+                <a:gridCol w="2327910">
+                  <a:extLst>
+                    <a:ext uri="{9D8B030D-6E8A-4147-A177-3AD203B41FA5}">
+                      <a16:colId xmlns:a16="http://schemas.microsoft.com/office/drawing/2014/main" val="558240382"/>
+                    </a:ext>
+                  </a:extLst>
+                </a:gridCol>
               </a:tblGrid>
-              <a:tr h="370840">
+              <a:tr h="1985143">
+                <a:tc>
+                  <a:txBody>
+                    <a:bodyPr/>
+                    <a:lstStyle/>
+                    <a:p>
+                      <a:endParaRPr lang="en-US" sz="2400" dirty="0"/>
+                    </a:p>
+                  </a:txBody>
+                  <a:tcPr/>
+                </a:tc>
                 <a:tc>
                   <a:txBody>
                     <a:bodyPr/>
                     <a:lstStyle/>
                     <a:p>
                       <a:r>
-                        <a:rPr lang="en-US" dirty="0" err="1"/>
+                        <a:rPr lang="en-US" sz="2400" dirty="0" err="1"/>
                         <a:t>Bzip</a:t>
                       </a:r>
                       <a:r>
-                        <a:rPr lang="en-US" dirty="0"/>
-                        <a:t> then Fernet</a:t>
+                        <a:rPr lang="en-US" sz="2400" dirty="0"/>
+                        <a:t> then Fernet (520B)</a:t>
                       </a:r>
                     </a:p>
                   </a:txBody>
@@ -3041,14 +3072,95 @@
                     <a:lstStyle/>
                     <a:p>
                       <a:r>
-                        <a:rPr lang="en-US" dirty="0"/>
+                        <a:rPr lang="en-US" sz="2400" dirty="0"/>
                         <a:t>Fernet then </a:t>
                       </a:r>
                       <a:r>
-                        <a:rPr lang="en-US" dirty="0" err="1"/>
+                        <a:rPr lang="en-US" sz="2400" dirty="0" err="1"/>
                         <a:t>Bzip</a:t>
                       </a:r>
-                      <a:endParaRPr lang="en-US" dirty="0"/>
+                      <a:r>
+                        <a:rPr lang="en-US" sz="2400" dirty="0"/>
+                        <a:t> (520B)</a:t>
+                      </a:r>
+                    </a:p>
+                  </a:txBody>
+                  <a:tcPr/>
+                </a:tc>
+                <a:tc>
+                  <a:txBody>
+                    <a:bodyPr/>
+                    <a:lstStyle/>
+                    <a:p>
+                      <a:pPr marL="0" marR="0" lvl="0" indent="0" algn="l" defTabSz="3840480" rtl="0" eaLnBrk="1" fontAlgn="auto" latinLnBrk="0" hangingPunct="1">
+                        <a:lnSpc>
+                          <a:spcPct val="100000"/>
+                        </a:lnSpc>
+                        <a:spcBef>
+                          <a:spcPts val="0"/>
+                        </a:spcBef>
+                        <a:spcAft>
+                          <a:spcPts val="0"/>
+                        </a:spcAft>
+                        <a:buClrTx/>
+                        <a:buSzTx/>
+                        <a:buFontTx/>
+                        <a:buNone/>
+                        <a:tabLst/>
+                        <a:defRPr/>
+                      </a:pPr>
+                      <a:r>
+                        <a:rPr lang="en-US" sz="2400" dirty="0" err="1"/>
+                        <a:t>Bzip</a:t>
+                      </a:r>
+                      <a:r>
+                        <a:rPr lang="en-US" sz="2400" dirty="0"/>
+                        <a:t> then Fernet (95MB)</a:t>
+                      </a:r>
+                    </a:p>
+                    <a:p>
+                      <a:endParaRPr lang="en-US" sz="2400" dirty="0"/>
+                    </a:p>
+                  </a:txBody>
+                  <a:tcPr/>
+                </a:tc>
+                <a:tc>
+                  <a:txBody>
+                    <a:bodyPr/>
+                    <a:lstStyle/>
+                    <a:p>
+                      <a:pPr marL="0" marR="0" lvl="0" indent="0" algn="l" defTabSz="3840480" rtl="0" eaLnBrk="1" fontAlgn="auto" latinLnBrk="0" hangingPunct="1">
+                        <a:lnSpc>
+                          <a:spcPct val="100000"/>
+                        </a:lnSpc>
+                        <a:spcBef>
+                          <a:spcPts val="0"/>
+                        </a:spcBef>
+                        <a:spcAft>
+                          <a:spcPts val="0"/>
+                        </a:spcAft>
+                        <a:buClrTx/>
+                        <a:buSzTx/>
+                        <a:buFontTx/>
+                        <a:buNone/>
+                        <a:tabLst/>
+                        <a:defRPr/>
+                      </a:pPr>
+                      <a:r>
+                        <a:rPr lang="en-US" sz="2400" dirty="0"/>
+                        <a:t>Fernet then </a:t>
+                      </a:r>
+                      <a:r>
+                        <a:rPr lang="en-US" sz="2400" dirty="0" err="1"/>
+                        <a:t>Bzip</a:t>
+                      </a:r>
+                      <a:r>
+                        <a:rPr lang="en-US" sz="2400" dirty="0"/>
+                        <a:t> (95MB)</a:t>
+                      </a:r>
+                    </a:p>
+                    <a:p>
+                      <a:endParaRPr lang="en-US" sz="2400" dirty="0"/>
                     </a:p>
                   </a:txBody>
                   <a:tcPr/>
@@ -3059,13 +3171,24 @@
                   </a:ext>
                 </a:extLst>
               </a:tr>
-              <a:tr h="370840">
+              <a:tr h="2958405">
                 <a:tc>
                   <a:txBody>
                     <a:bodyPr/>
                     <a:lstStyle/>
                     <a:p>
-                      <a:endParaRPr lang="en-US"/>
+                      <a:r>
+                        <a:rPr lang="en-US" sz="2400" dirty="0"/>
+                        <a:t>Total processing time (excl. read/write + network) (</a:t>
+                      </a:r>
+                      <a:r>
+                        <a:rPr lang="en-US" sz="2400" dirty="0" err="1"/>
+                        <a:t>ms</a:t>
+                      </a:r>
+                      <a:r>
+                        <a:rPr lang="en-US" sz="2400" dirty="0"/>
+                        <a:t>)</a:t>
+                      </a:r>
                     </a:p>
                   </a:txBody>
                   <a:tcPr/>
@@ -3075,7 +3198,49 @@
                     <a:bodyPr/>
                     <a:lstStyle/>
                     <a:p>
-                      <a:endParaRPr lang="en-US"/>
+                      <a:r>
+                        <a:rPr lang="en-US" sz="2400" dirty="0"/>
+                        <a:t>4.324 (std 1.638)</a:t>
+                      </a:r>
+                    </a:p>
+                  </a:txBody>
+                  <a:tcPr/>
+                </a:tc>
+                <a:tc>
+                  <a:txBody>
+                    <a:bodyPr/>
+                    <a:lstStyle/>
+                    <a:p>
+                      <a:r>
+                        <a:rPr lang="en-US" sz="2400" dirty="0"/>
+                        <a:t>4.670 (std 1.455)</a:t>
+                      </a:r>
+                    </a:p>
+                  </a:txBody>
+                  <a:tcPr/>
+                </a:tc>
+                <a:tc>
+                  <a:txBody>
+                    <a:bodyPr/>
+                    <a:lstStyle/>
+                    <a:p>
+                      <a:r>
+                        <a:rPr lang="en-US" sz="2400" dirty="0"/>
+                        <a:t>11190.362 (std 1257.505)</a:t>
+                      </a:r>
+                    </a:p>
+                  </a:txBody>
+                  <a:tcPr/>
+                </a:tc>
+                <a:tc>
+                  <a:txBody>
+                    <a:bodyPr/>
+                    <a:lstStyle/>
+                    <a:p>
+                      <a:r>
+                        <a:rPr lang="en-US" sz="2400" dirty="0"/>
+                        <a:t>19453.341 (std 2074.068)</a:t>
+                      </a:r>
                     </a:p>
                   </a:txBody>
                   <a:tcPr/>
@@ -3086,13 +3251,16 @@
                   </a:ext>
                 </a:extLst>
               </a:tr>
-              <a:tr h="370840">
+              <a:tr h="1985143">
                 <a:tc>
                   <a:txBody>
                     <a:bodyPr/>
                     <a:lstStyle/>
                     <a:p>
-                      <a:endParaRPr lang="en-US"/>
+                      <a:r>
+                        <a:rPr lang="en-US" sz="2400" dirty="0"/>
+                        <a:t>Compression ratio</a:t>
+                      </a:r>
                     </a:p>
                   </a:txBody>
                   <a:tcPr/>
@@ -3102,7 +3270,71 @@
                     <a:bodyPr/>
                     <a:lstStyle/>
                     <a:p>
-                      <a:endParaRPr lang="en-US"/>
+                      <a:r>
+                        <a:rPr lang="en-US" sz="2400" dirty="0"/>
+                        <a:t>0.315 (68.5 % reduction) (5.579e-17)</a:t>
+                      </a:r>
+                    </a:p>
+                  </a:txBody>
+                  <a:tcPr/>
+                </a:tc>
+                <a:tc>
+                  <a:txBody>
+                    <a:bodyPr/>
+                    <a:lstStyle/>
+                    <a:p>
+                      <a:pPr marL="0" marR="0" lvl="0" indent="0" algn="l" defTabSz="3840480" rtl="0" eaLnBrk="1" fontAlgn="auto" latinLnBrk="0" hangingPunct="1">
+                        <a:lnSpc>
+                          <a:spcPct val="100000"/>
+                        </a:lnSpc>
+                        <a:spcBef>
+                          <a:spcPts val="0"/>
+                        </a:spcBef>
+                        <a:spcAft>
+                          <a:spcPts val="0"/>
+                        </a:spcAft>
+                        <a:buClrTx/>
+                        <a:buSzTx/>
+                        <a:buFontTx/>
+                        <a:buNone/>
+                        <a:tabLst/>
+                        <a:defRPr/>
+                      </a:pPr>
+                      <a:r>
+                        <a:rPr lang="en-US" sz="2400" dirty="0"/>
+                        <a:t>1.365 (36.5 % </a:t>
+                      </a:r>
+                      <a:r>
+                        <a:rPr lang="en-US" sz="2400"/>
+                        <a:t>increase) (0.011)</a:t>
+                      </a:r>
+                      <a:endParaRPr lang="en-US" sz="2400" dirty="0"/>
+                    </a:p>
+                  </a:txBody>
+                  <a:tcPr/>
+                </a:tc>
+                <a:tc>
+                  <a:txBody>
+                    <a:bodyPr/>
+                    <a:lstStyle/>
+                    <a:p>
+                      <a:r>
+                        <a:rPr lang="en-US" sz="2400" dirty="0"/>
+                        <a:t>0.383 (61.7 % reduction) (std 0.0)</a:t>
+                      </a:r>
+                    </a:p>
+                  </a:txBody>
+                  <a:tcPr/>
+                </a:tc>
+                <a:tc>
+                  <a:txBody>
+                    <a:bodyPr/>
+                    <a:lstStyle/>
+                    <a:p>
+                      <a:r>
+                        <a:rPr lang="en-US" sz="2400" dirty="0"/>
+                        <a:t>1.007 (0.7 % increase) (std 3.24e-5)</a:t>
+                      </a:r>
                     </a:p>
                   </a:txBody>
                   <a:tcPr/>
@@ -3113,13 +3345,13 @@
                   </a:ext>
                 </a:extLst>
               </a:tr>
-              <a:tr h="370840">
+              <a:tr h="525252">
                 <a:tc>
                   <a:txBody>
                     <a:bodyPr/>
                     <a:lstStyle/>
                     <a:p>
-                      <a:endParaRPr lang="en-US"/>
+                      <a:endParaRPr lang="en-US" sz="2400" dirty="0"/>
                     </a:p>
                   </a:txBody>
                   <a:tcPr/>
@@ -3129,7 +3361,37 @@
                     <a:bodyPr/>
                     <a:lstStyle/>
                     <a:p>
-                      <a:endParaRPr lang="en-US"/>
+                      <a:endParaRPr lang="en-US" sz="2400"/>
+                    </a:p>
+                  </a:txBody>
+                  <a:tcPr/>
+                </a:tc>
+                <a:tc>
+                  <a:txBody>
+                    <a:bodyPr/>
+                    <a:lstStyle/>
+                    <a:p>
+                      <a:endParaRPr lang="en-US" sz="2400"/>
+                    </a:p>
+                  </a:txBody>
+                  <a:tcPr/>
+                </a:tc>
+                <a:tc>
+                  <a:txBody>
+                    <a:bodyPr/>
+                    <a:lstStyle/>
+                    <a:p>
+                      <a:endParaRPr lang="en-US" sz="2400"/>
+                    </a:p>
+                  </a:txBody>
+                  <a:tcPr/>
+                </a:tc>
+                <a:tc>
+                  <a:txBody>
+                    <a:bodyPr/>
+                    <a:lstStyle/>
+                    <a:p>
+                      <a:endParaRPr lang="en-US" sz="2400"/>
                     </a:p>
                   </a:txBody>
                   <a:tcPr/>
@@ -3140,13 +3402,13 @@
                   </a:ext>
                 </a:extLst>
               </a:tr>
-              <a:tr h="370840">
+              <a:tr h="525252">
                 <a:tc>
                   <a:txBody>
                     <a:bodyPr/>
                     <a:lstStyle/>
                     <a:p>
-                      <a:endParaRPr lang="en-US"/>
+                      <a:endParaRPr lang="en-US" sz="2400" dirty="0"/>
                     </a:p>
                   </a:txBody>
                   <a:tcPr/>
@@ -3156,7 +3418,37 @@
                     <a:bodyPr/>
                     <a:lstStyle/>
                     <a:p>
-                      <a:endParaRPr lang="en-US"/>
+                      <a:endParaRPr lang="en-US" sz="2400" dirty="0"/>
+                    </a:p>
+                  </a:txBody>
+                  <a:tcPr/>
+                </a:tc>
+                <a:tc>
+                  <a:txBody>
+                    <a:bodyPr/>
+                    <a:lstStyle/>
+                    <a:p>
+                      <a:endParaRPr lang="en-US" sz="2400"/>
+                    </a:p>
+                  </a:txBody>
+                  <a:tcPr/>
+                </a:tc>
+                <a:tc>
+                  <a:txBody>
+                    <a:bodyPr/>
+                    <a:lstStyle/>
+                    <a:p>
+                      <a:endParaRPr lang="en-US" sz="2400"/>
+                    </a:p>
+                  </a:txBody>
+                  <a:tcPr/>
+                </a:tc>
+                <a:tc>
+                  <a:txBody>
+                    <a:bodyPr/>
+                    <a:lstStyle/>
+                    <a:p>
+                      <a:endParaRPr lang="en-US" sz="2400"/>
                     </a:p>
                   </a:txBody>
                   <a:tcPr/>
@@ -3167,13 +3459,13 @@
                   </a:ext>
                 </a:extLst>
               </a:tr>
-              <a:tr h="370840">
+              <a:tr h="525252">
                 <a:tc>
                   <a:txBody>
                     <a:bodyPr/>
                     <a:lstStyle/>
                     <a:p>
-                      <a:endParaRPr lang="en-US"/>
+                      <a:endParaRPr lang="en-US" sz="2400"/>
                     </a:p>
                   </a:txBody>
                   <a:tcPr/>
@@ -3183,7 +3475,37 @@
                     <a:bodyPr/>
                     <a:lstStyle/>
                     <a:p>
-                      <a:endParaRPr lang="en-US"/>
+                      <a:endParaRPr lang="en-US" sz="2400"/>
+                    </a:p>
+                  </a:txBody>
+                  <a:tcPr/>
+                </a:tc>
+                <a:tc>
+                  <a:txBody>
+                    <a:bodyPr/>
+                    <a:lstStyle/>
+                    <a:p>
+                      <a:endParaRPr lang="en-US" sz="2400"/>
+                    </a:p>
+                  </a:txBody>
+                  <a:tcPr/>
+                </a:tc>
+                <a:tc>
+                  <a:txBody>
+                    <a:bodyPr/>
+                    <a:lstStyle/>
+                    <a:p>
+                      <a:endParaRPr lang="en-US" sz="2400"/>
+                    </a:p>
+                  </a:txBody>
+                  <a:tcPr/>
+                </a:tc>
+                <a:tc>
+                  <a:txBody>
+                    <a:bodyPr/>
+                    <a:lstStyle/>
+                    <a:p>
+                      <a:endParaRPr lang="en-US" sz="2400"/>
                     </a:p>
                   </a:txBody>
                   <a:tcPr/>
@@ -3194,13 +3516,13 @@
                   </a:ext>
                 </a:extLst>
               </a:tr>
-              <a:tr h="370840">
+              <a:tr h="525252">
                 <a:tc>
                   <a:txBody>
                     <a:bodyPr/>
                     <a:lstStyle/>
                     <a:p>
-                      <a:endParaRPr lang="en-US"/>
+                      <a:endParaRPr lang="en-US" sz="2400" dirty="0"/>
                     </a:p>
                   </a:txBody>
                   <a:tcPr/>
@@ -3210,7 +3532,37 @@
                     <a:bodyPr/>
                     <a:lstStyle/>
                     <a:p>
-                      <a:endParaRPr lang="en-US" dirty="0"/>
+                      <a:endParaRPr lang="en-US" sz="2400"/>
+                    </a:p>
+                  </a:txBody>
+                  <a:tcPr/>
+                </a:tc>
+                <a:tc>
+                  <a:txBody>
+                    <a:bodyPr/>
+                    <a:lstStyle/>
+                    <a:p>
+                      <a:endParaRPr lang="en-US" sz="2400" dirty="0"/>
+                    </a:p>
+                  </a:txBody>
+                  <a:tcPr/>
+                </a:tc>
+                <a:tc>
+                  <a:txBody>
+                    <a:bodyPr/>
+                    <a:lstStyle/>
+                    <a:p>
+                      <a:endParaRPr lang="en-US" sz="2400" dirty="0"/>
+                    </a:p>
+                  </a:txBody>
+                  <a:tcPr/>
+                </a:tc>
+                <a:tc>
+                  <a:txBody>
+                    <a:bodyPr/>
+                    <a:lstStyle/>
+                    <a:p>
+                      <a:endParaRPr lang="en-US" sz="2400" dirty="0"/>
                     </a:p>
                   </a:txBody>
                   <a:tcPr/>
